--- a/ppt/leetcode.pptx
+++ b/ppt/leetcode.pptx
@@ -5,11 +5,14 @@
     <p:sldMasterId id="2147483684" r:id="rId1"/>
   </p:sldMasterIdLst>
   <p:notesMasterIdLst>
-    <p:notesMasterId r:id="rId4"/>
+    <p:notesMasterId r:id="rId7"/>
   </p:notesMasterIdLst>
   <p:sldIdLst>
     <p:sldId id="260" r:id="rId2"/>
     <p:sldId id="261" r:id="rId3"/>
+    <p:sldId id="262" r:id="rId4"/>
+    <p:sldId id="264" r:id="rId5"/>
+    <p:sldId id="265" r:id="rId6"/>
   </p:sldIdLst>
   <p:sldSz cx="12192000" cy="6858000"/>
   <p:notesSz cx="6858000" cy="9144000"/>
@@ -110,7 +113,7 @@
   </p:defaultTextStyle>
   <p:extLst>
     <p:ext uri="{EFAFB233-063F-42B5-8137-9DF3F51BA10A}">
-      <p15:sldGuideLst xmlns="" xmlns:p15="http://schemas.microsoft.com/office/powerpoint/2012/main"/>
+      <p15:sldGuideLst xmlns:p15="http://schemas.microsoft.com/office/powerpoint/2012/main" xmlns=""/>
     </p:ext>
   </p:extLst>
 </p:presentation>
@@ -198,7 +201,7 @@
           <a:p>
             <a:fld id="{9F3A5EB3-50EE-4F69-B93A-7859079E8380}" type="datetimeFigureOut">
               <a:rPr lang="zh-CN" altLang="en-US" smtClean="0"/>
-              <a:t>2020/3/12</a:t>
+              <a:t>2020/5/4</a:t>
             </a:fld>
             <a:endParaRPr lang="zh-CN" altLang="en-US"/>
           </a:p>
@@ -366,6 +369,11 @@
         </p:txBody>
       </p:sp>
     </p:spTree>
+    <p:extLst>
+      <p:ext uri="{BB962C8B-B14F-4D97-AF65-F5344CB8AC3E}">
+        <p14:creationId xmlns:p14="http://schemas.microsoft.com/office/powerpoint/2010/main" val="522981787"/>
+      </p:ext>
+    </p:extLst>
   </p:cSld>
   <p:clrMap bg1="lt1" tx1="dk1" bg2="lt2" tx2="dk2" accent1="accent1" accent2="accent2" accent3="accent3" accent4="accent4" accent5="accent5" accent6="accent6" hlink="hlink" folHlink="folHlink"/>
   <p:notesStyle>
@@ -485,7 +493,7 @@
           <p:cNvPr id="8" name="矩形 7">
             <a:extLst>
               <a:ext uri="{FF2B5EF4-FFF2-40B4-BE49-F238E27FC236}">
-                <a16:creationId xmlns="" xmlns:a16="http://schemas.microsoft.com/office/drawing/2014/main" id="{F399C0FD-7C40-0147-8ACB-4E13D9DFBB9C}"/>
+                <a16:creationId xmlns:a16="http://schemas.microsoft.com/office/drawing/2014/main" xmlns="" id="{F399C0FD-7C40-0147-8ACB-4E13D9DFBB9C}"/>
               </a:ext>
             </a:extLst>
           </p:cNvPr>
@@ -531,7 +539,7 @@
           <p:cNvPr id="7" name="图片 6">
             <a:extLst>
               <a:ext uri="{FF2B5EF4-FFF2-40B4-BE49-F238E27FC236}">
-                <a16:creationId xmlns="" xmlns:a16="http://schemas.microsoft.com/office/drawing/2014/main" id="{82370E24-12B4-C64E-A72C-43E85C52D83B}"/>
+                <a16:creationId xmlns:a16="http://schemas.microsoft.com/office/drawing/2014/main" xmlns="" id="{82370E24-12B4-C64E-A72C-43E85C52D83B}"/>
               </a:ext>
             </a:extLst>
           </p:cNvPr>
@@ -559,7 +567,7 @@
     </p:spTree>
     <p:extLst>
       <p:ext uri="{BB962C8B-B14F-4D97-AF65-F5344CB8AC3E}">
-        <p14:creationId xmlns="" xmlns:p14="http://schemas.microsoft.com/office/powerpoint/2010/main" val="1392055626"/>
+        <p14:creationId xmlns:p14="http://schemas.microsoft.com/office/powerpoint/2010/main" val="1392055626"/>
       </p:ext>
     </p:extLst>
   </p:cSld>
@@ -698,7 +706,7 @@
             <a:fld id="{7C955CD6-C544-6447-88CB-A2D8D4C328B3}" type="datetimeFigureOut">
               <a:rPr kumimoji="1" lang="zh-CN" altLang="en-US" smtClean="0"/>
               <a:pPr/>
-              <a:t>2020/3/12</a:t>
+              <a:t>2020/5/4</a:t>
             </a:fld>
             <a:endParaRPr kumimoji="1" lang="zh-CN" altLang="en-US"/>
           </a:p>
@@ -786,7 +794,7 @@
     </p:spTree>
     <p:extLst>
       <p:ext uri="{BB962C8B-B14F-4D97-AF65-F5344CB8AC3E}">
-        <p14:creationId xmlns="" xmlns:p14="http://schemas.microsoft.com/office/powerpoint/2010/main" val="1469646871"/>
+        <p14:creationId xmlns:p14="http://schemas.microsoft.com/office/powerpoint/2010/main" val="1469646871"/>
       </p:ext>
     </p:extLst>
   </p:cSld>
@@ -1117,11 +1125,7 @@
           <a:p>
             <a:r>
               <a:rPr lang="zh-CN" altLang="en-US" dirty="0" smtClean="0"/>
-              <a:t> 描述：  给定</a:t>
-            </a:r>
-            <a:r>
-              <a:rPr lang="zh-CN" altLang="en-US" dirty="0" smtClean="0"/>
-              <a:t>一个整数 </a:t>
+              <a:t> 描述：  给定一个整数 </a:t>
             </a:r>
             <a:r>
               <a:rPr lang="en-US" altLang="zh-CN" dirty="0" smtClean="0"/>
@@ -1137,11 +1141,7 @@
             </a:r>
             <a:r>
               <a:rPr lang="zh-CN" altLang="en-US" dirty="0" smtClean="0"/>
-              <a:t>结果尾数中零的</a:t>
-            </a:r>
-            <a:r>
-              <a:rPr lang="zh-CN" altLang="en-US" dirty="0" smtClean="0"/>
-              <a:t>数量</a:t>
+              <a:t>结果尾数中零的数量</a:t>
             </a:r>
             <a:endParaRPr lang="en-US" altLang="zh-CN" dirty="0" smtClean="0"/>
           </a:p>
@@ -1372,27 +1372,14 @@
           <a:p>
             <a:r>
               <a:rPr lang="en-US" altLang="zh-CN" dirty="0" smtClean="0"/>
-              <a:t>11! = 11 * 10 * 9 * 8 * 7 * 6 * 5 * 4 * 3 * 2 * </a:t>
-            </a:r>
+              <a:t>11! = 11 * 10 * 9 * 8 * 7 * 6 * 5 * 4 * 3 * 2 * 1</a:t>
+            </a:r>
+          </a:p>
+          <a:p>
             <a:r>
               <a:rPr lang="en-US" altLang="zh-CN" dirty="0" smtClean="0"/>
-              <a:t>1</a:t>
-            </a:r>
-          </a:p>
-          <a:p>
-            <a:r>
-              <a:rPr lang="en-US" altLang="zh-CN" dirty="0" smtClean="0"/>
-              <a:t> </a:t>
-            </a:r>
-            <a:r>
-              <a:rPr lang="en-US" altLang="zh-CN" dirty="0" smtClean="0"/>
-              <a:t>5 </a:t>
-            </a:r>
-            <a:r>
-              <a:rPr lang="en-US" altLang="zh-CN" dirty="0" smtClean="0"/>
-              <a:t>* 4 * 3 * 2 * 1 = 120</a:t>
-            </a:r>
-            <a:endParaRPr lang="en-US" altLang="zh-CN" dirty="0" smtClean="0"/>
+              <a:t> 5 * 4 * 3 * 2 * 1 = 120</a:t>
+            </a:r>
           </a:p>
           <a:p>
             <a:endParaRPr lang="en-US" altLang="zh-CN" dirty="0" smtClean="0"/>
@@ -1496,11 +1483,7 @@
           <a:p>
             <a:r>
               <a:rPr lang="zh-CN" altLang="en-US" dirty="0" smtClean="0"/>
-              <a:t> 描述：</a:t>
-            </a:r>
-            <a:r>
-              <a:rPr lang="zh-CN" altLang="en-US" dirty="0" smtClean="0"/>
-              <a:t>给定一个数组，将数组中的元素向右移动 </a:t>
+              <a:t> 描述：给定一个数组，将数组中的元素向右移动 </a:t>
             </a:r>
             <a:r>
               <a:rPr lang="en-US" altLang="zh-CN" dirty="0" smtClean="0"/>
@@ -1508,13 +1491,8 @@
             </a:r>
             <a:r>
               <a:rPr lang="zh-CN" altLang="en-US" dirty="0" smtClean="0"/>
-              <a:t>个</a:t>
-            </a:r>
-            <a:r>
-              <a:rPr lang="zh-CN" altLang="en-US" dirty="0" smtClean="0"/>
-              <a:t>位置</a:t>
-            </a:r>
-            <a:endParaRPr lang="zh-CN" altLang="en-US" dirty="0" smtClean="0"/>
+              <a:t>个位置</a:t>
+            </a:r>
           </a:p>
         </p:txBody>
       </p:sp>
@@ -1565,15 +1543,7 @@
                   <a:srgbClr val="FF0000"/>
                 </a:solidFill>
               </a:rPr>
-              <a:t>189] </a:t>
-            </a:r>
-            <a:r>
-              <a:rPr lang="en-US" altLang="zh-CN" dirty="0" smtClean="0">
-                <a:solidFill>
-                  <a:srgbClr val="FF0000"/>
-                </a:solidFill>
-              </a:rPr>
-              <a:t> 	</a:t>
+              <a:t>189]  	</a:t>
             </a:r>
             <a:r>
               <a:rPr lang="zh-CN" altLang="en-US" dirty="0" smtClean="0">
@@ -1581,15 +1551,7 @@
                   <a:srgbClr val="FF0000"/>
                 </a:solidFill>
               </a:rPr>
-              <a:t>旋转</a:t>
-            </a:r>
-            <a:r>
-              <a:rPr lang="zh-CN" altLang="en-US" dirty="0" smtClean="0">
-                <a:solidFill>
-                  <a:srgbClr val="FF0000"/>
-                </a:solidFill>
-              </a:rPr>
-              <a:t>数组</a:t>
+              <a:t>旋转数组</a:t>
             </a:r>
             <a:endParaRPr lang="zh-CN" altLang="en-US" dirty="0">
               <a:solidFill>
@@ -1701,6 +1663,1008 @@
 </p:sld>
 </file>
 
+<file path=ppt/slides/slide3.xml><?xml version="1.0" encoding="utf-8"?>
+<p:sld xmlns:a="http://schemas.openxmlformats.org/drawingml/2006/main" xmlns:r="http://schemas.openxmlformats.org/officeDocument/2006/relationships" xmlns:p="http://schemas.openxmlformats.org/presentationml/2006/main">
+  <p:cSld>
+    <p:spTree>
+      <p:nvGrpSpPr>
+        <p:cNvPr id="1" name=""/>
+        <p:cNvGrpSpPr/>
+        <p:nvPr/>
+      </p:nvGrpSpPr>
+      <p:grpSpPr>
+        <a:xfrm>
+          <a:off x="0" y="0"/>
+          <a:ext cx="0" cy="0"/>
+          <a:chOff x="0" y="0"/>
+          <a:chExt cx="0" cy="0"/>
+        </a:xfrm>
+      </p:grpSpPr>
+      <p:pic>
+        <p:nvPicPr>
+          <p:cNvPr id="1026" name="Picture 2"/>
+          <p:cNvPicPr>
+            <a:picLocks noChangeAspect="1" noChangeArrowheads="1"/>
+          </p:cNvPicPr>
+          <p:nvPr/>
+        </p:nvPicPr>
+        <p:blipFill>
+          <a:blip r:embed="rId2">
+            <a:extLst>
+              <a:ext uri="{28A0092B-C50C-407E-A947-70E740481C1C}">
+                <a14:useLocalDpi xmlns:a14="http://schemas.microsoft.com/office/drawing/2010/main" val="0"/>
+              </a:ext>
+            </a:extLst>
+          </a:blip>
+          <a:srcRect/>
+          <a:stretch>
+            <a:fillRect/>
+          </a:stretch>
+        </p:blipFill>
+        <p:spPr bwMode="auto">
+          <a:xfrm>
+            <a:off x="1209675" y="1390650"/>
+            <a:ext cx="2838450" cy="2781300"/>
+          </a:xfrm>
+          <a:prstGeom prst="rect">
+            <a:avLst/>
+          </a:prstGeom>
+          <a:noFill/>
+          <a:ln>
+            <a:noFill/>
+          </a:ln>
+          <a:extLst>
+            <a:ext uri="{909E8E84-426E-40DD-AFC4-6F175D3DCCD1}">
+              <a14:hiddenFill xmlns:a14="http://schemas.microsoft.com/office/drawing/2010/main">
+                <a:solidFill>
+                  <a:schemeClr val="accent1"/>
+                </a:solidFill>
+              </a14:hiddenFill>
+            </a:ext>
+            <a:ext uri="{91240B29-F687-4F45-9708-019B960494DF}">
+              <a14:hiddenLine xmlns:a14="http://schemas.microsoft.com/office/drawing/2010/main" w="9525">
+                <a:solidFill>
+                  <a:schemeClr val="tx1"/>
+                </a:solidFill>
+                <a:miter lim="800000"/>
+                <a:headEnd/>
+                <a:tailEnd/>
+              </a14:hiddenLine>
+            </a:ext>
+          </a:extLst>
+        </p:spPr>
+      </p:pic>
+      <p:sp>
+        <p:nvSpPr>
+          <p:cNvPr id="2" name="圆角矩形 1"/>
+          <p:cNvSpPr/>
+          <p:nvPr/>
+        </p:nvSpPr>
+        <p:spPr>
+          <a:xfrm>
+            <a:off x="952500" y="4711700"/>
+            <a:ext cx="1435100" cy="685800"/>
+          </a:xfrm>
+          <a:prstGeom prst="roundRect">
+            <a:avLst/>
+          </a:prstGeom>
+        </p:spPr>
+        <p:style>
+          <a:lnRef idx="2">
+            <a:schemeClr val="accent6">
+              <a:shade val="50000"/>
+            </a:schemeClr>
+          </a:lnRef>
+          <a:fillRef idx="1">
+            <a:schemeClr val="accent6"/>
+          </a:fillRef>
+          <a:effectRef idx="0">
+            <a:schemeClr val="accent6"/>
+          </a:effectRef>
+          <a:fontRef idx="minor">
+            <a:schemeClr val="lt1"/>
+          </a:fontRef>
+        </p:style>
+        <p:txBody>
+          <a:bodyPr rtlCol="0" anchor="ctr"/>
+          <a:lstStyle/>
+          <a:p>
+            <a:pPr algn="ctr"/>
+            <a:r>
+              <a:rPr lang="zh-CN" altLang="en-US"/>
+              <a:t>中等</a:t>
+            </a:r>
+          </a:p>
+        </p:txBody>
+      </p:sp>
+      <p:sp>
+        <p:nvSpPr>
+          <p:cNvPr id="4" name="圆角矩形 3"/>
+          <p:cNvSpPr/>
+          <p:nvPr/>
+        </p:nvSpPr>
+        <p:spPr>
+          <a:xfrm>
+            <a:off x="3111500" y="4711700"/>
+            <a:ext cx="1676400" cy="685800"/>
+          </a:xfrm>
+          <a:prstGeom prst="roundRect">
+            <a:avLst/>
+          </a:prstGeom>
+        </p:spPr>
+        <p:style>
+          <a:lnRef idx="2">
+            <a:schemeClr val="dk1">
+              <a:shade val="50000"/>
+            </a:schemeClr>
+          </a:lnRef>
+          <a:fillRef idx="1">
+            <a:schemeClr val="dk1"/>
+          </a:fillRef>
+          <a:effectRef idx="0">
+            <a:schemeClr val="dk1"/>
+          </a:effectRef>
+          <a:fontRef idx="minor">
+            <a:schemeClr val="lt1"/>
+          </a:fontRef>
+        </p:style>
+        <p:txBody>
+          <a:bodyPr rtlCol="0" anchor="ctr"/>
+          <a:lstStyle/>
+          <a:p>
+            <a:pPr algn="ctr"/>
+            <a:r>
+              <a:rPr lang="zh-CN" altLang="en-US"/>
+              <a:t>数组</a:t>
+            </a:r>
+          </a:p>
+        </p:txBody>
+      </p:sp>
+      <p:sp>
+        <p:nvSpPr>
+          <p:cNvPr id="6" name="圆角矩形 5"/>
+          <p:cNvSpPr/>
+          <p:nvPr/>
+        </p:nvSpPr>
+        <p:spPr>
+          <a:xfrm>
+            <a:off x="5486400" y="4711700"/>
+            <a:ext cx="2476500" cy="685800"/>
+          </a:xfrm>
+          <a:prstGeom prst="roundRect">
+            <a:avLst/>
+          </a:prstGeom>
+        </p:spPr>
+        <p:style>
+          <a:lnRef idx="2">
+            <a:schemeClr val="dk1">
+              <a:shade val="50000"/>
+            </a:schemeClr>
+          </a:lnRef>
+          <a:fillRef idx="1">
+            <a:schemeClr val="dk1"/>
+          </a:fillRef>
+          <a:effectRef idx="0">
+            <a:schemeClr val="dk1"/>
+          </a:effectRef>
+          <a:fontRef idx="minor">
+            <a:schemeClr val="lt1"/>
+          </a:fontRef>
+        </p:style>
+        <p:txBody>
+          <a:bodyPr rtlCol="0" anchor="ctr"/>
+          <a:lstStyle/>
+          <a:p>
+            <a:pPr algn="ctr"/>
+            <a:r>
+              <a:rPr lang="zh-CN" altLang="en-US" smtClean="0"/>
+              <a:t>重复元素快速排序</a:t>
+            </a:r>
+            <a:endParaRPr lang="zh-CN" altLang="en-US"/>
+          </a:p>
+        </p:txBody>
+      </p:sp>
+      <p:sp>
+        <p:nvSpPr>
+          <p:cNvPr id="3" name="矩形 2"/>
+          <p:cNvSpPr/>
+          <p:nvPr/>
+        </p:nvSpPr>
+        <p:spPr>
+          <a:xfrm>
+            <a:off x="4254500" y="1968500"/>
+            <a:ext cx="3797300" cy="2185214"/>
+          </a:xfrm>
+          <a:prstGeom prst="rect">
+            <a:avLst/>
+          </a:prstGeom>
+        </p:spPr>
+        <p:txBody>
+          <a:bodyPr wrap="square">
+            <a:spAutoFit/>
+          </a:bodyPr>
+          <a:lstStyle/>
+          <a:p>
+            <a:endParaRPr lang="en-US" altLang="zh-CN" sz="3200" smtClean="0"/>
+          </a:p>
+          <a:p>
+            <a:r>
+              <a:rPr lang="en-US" altLang="zh-CN" sz="4000" smtClean="0"/>
+              <a:t>  [</a:t>
+            </a:r>
+            <a:r>
+              <a:rPr lang="en-US" altLang="zh-CN" sz="4000"/>
+              <a:t>75] </a:t>
+            </a:r>
+            <a:r>
+              <a:rPr lang="en-US" altLang="zh-CN" sz="4000" smtClean="0"/>
+              <a:t>  </a:t>
+            </a:r>
+            <a:r>
+              <a:rPr lang="zh-CN" altLang="en-US" sz="4000" smtClean="0"/>
+              <a:t>颜</a:t>
+            </a:r>
+            <a:r>
+              <a:rPr lang="zh-CN" altLang="en-US" sz="4000"/>
+              <a:t>色分</a:t>
+            </a:r>
+            <a:r>
+              <a:rPr lang="zh-CN" altLang="en-US" sz="4000" smtClean="0"/>
+              <a:t>类</a:t>
+            </a:r>
+            <a:endParaRPr lang="en-US" altLang="zh-CN" sz="4000" smtClean="0"/>
+          </a:p>
+          <a:p>
+            <a:endParaRPr lang="en-US" altLang="zh-CN" sz="3200"/>
+          </a:p>
+          <a:p>
+            <a:endParaRPr lang="zh-CN" altLang="en-US" sz="3200"/>
+          </a:p>
+        </p:txBody>
+      </p:sp>
+      <p:sp>
+        <p:nvSpPr>
+          <p:cNvPr id="7" name="圆角矩形 6"/>
+          <p:cNvSpPr/>
+          <p:nvPr/>
+        </p:nvSpPr>
+        <p:spPr>
+          <a:xfrm>
+            <a:off x="8306525" y="4756524"/>
+            <a:ext cx="1676400" cy="685800"/>
+          </a:xfrm>
+          <a:prstGeom prst="roundRect">
+            <a:avLst/>
+          </a:prstGeom>
+        </p:spPr>
+        <p:style>
+          <a:lnRef idx="2">
+            <a:schemeClr val="dk1">
+              <a:shade val="50000"/>
+            </a:schemeClr>
+          </a:lnRef>
+          <a:fillRef idx="1">
+            <a:schemeClr val="dk1"/>
+          </a:fillRef>
+          <a:effectRef idx="0">
+            <a:schemeClr val="dk1"/>
+          </a:effectRef>
+          <a:fontRef idx="minor">
+            <a:schemeClr val="lt1"/>
+          </a:fontRef>
+        </p:style>
+        <p:txBody>
+          <a:bodyPr rtlCol="0" anchor="ctr"/>
+          <a:lstStyle/>
+          <a:p>
+            <a:pPr algn="ctr"/>
+            <a:r>
+              <a:rPr lang="zh-CN" altLang="en-US"/>
+              <a:t>数</a:t>
+            </a:r>
+            <a:r>
+              <a:rPr lang="zh-CN" altLang="en-US" smtClean="0"/>
+              <a:t>学归纳</a:t>
+            </a:r>
+            <a:endParaRPr lang="zh-CN" altLang="en-US"/>
+          </a:p>
+        </p:txBody>
+      </p:sp>
+    </p:spTree>
+    <p:extLst>
+      <p:ext uri="{BB962C8B-B14F-4D97-AF65-F5344CB8AC3E}">
+        <p14:creationId xmlns:p14="http://schemas.microsoft.com/office/powerpoint/2010/main" val="1368930091"/>
+      </p:ext>
+    </p:extLst>
+  </p:cSld>
+  <p:clrMapOvr>
+    <a:masterClrMapping/>
+  </p:clrMapOvr>
+</p:sld>
+</file>
+
+<file path=ppt/slides/slide4.xml><?xml version="1.0" encoding="utf-8"?>
+<p:sld xmlns:a="http://schemas.openxmlformats.org/drawingml/2006/main" xmlns:r="http://schemas.openxmlformats.org/officeDocument/2006/relationships" xmlns:p="http://schemas.openxmlformats.org/presentationml/2006/main">
+  <p:cSld>
+    <p:spTree>
+      <p:nvGrpSpPr>
+        <p:cNvPr id="1" name=""/>
+        <p:cNvGrpSpPr/>
+        <p:nvPr/>
+      </p:nvGrpSpPr>
+      <p:grpSpPr>
+        <a:xfrm>
+          <a:off x="0" y="0"/>
+          <a:ext cx="0" cy="0"/>
+          <a:chOff x="0" y="0"/>
+          <a:chExt cx="0" cy="0"/>
+        </a:xfrm>
+      </p:grpSpPr>
+      <p:sp>
+        <p:nvSpPr>
+          <p:cNvPr id="28" name="矩形 27">
+            <a:extLst>
+              <a:ext uri="{FF2B5EF4-FFF2-40B4-BE49-F238E27FC236}">
+                <a16:creationId xmlns:a16="http://schemas.microsoft.com/office/drawing/2014/main" xmlns="" id="{45059F00-28CC-4349-974C-B53D3988E15E}"/>
+              </a:ext>
+            </a:extLst>
+          </p:cNvPr>
+          <p:cNvSpPr/>
+          <p:nvPr/>
+        </p:nvSpPr>
+        <p:spPr>
+          <a:xfrm>
+            <a:off x="2161880" y="102000"/>
+            <a:ext cx="5339923" cy="461665"/>
+          </a:xfrm>
+          <a:prstGeom prst="rect">
+            <a:avLst/>
+          </a:prstGeom>
+        </p:spPr>
+        <p:txBody>
+          <a:bodyPr wrap="none">
+            <a:spAutoFit/>
+          </a:bodyPr>
+          <a:lstStyle/>
+          <a:p>
+            <a:r>
+              <a:rPr kumimoji="1" lang="zh-CN" altLang="en-US" sz="2400">
+                <a:solidFill>
+                  <a:schemeClr val="bg1"/>
+                </a:solidFill>
+                <a:latin typeface="Times New Roman" charset="0"/>
+                <a:ea typeface="黑体" charset="-122"/>
+              </a:rPr>
+              <a:t>第 </a:t>
+            </a:r>
+            <a:r>
+              <a:rPr kumimoji="1" lang="en-US" altLang="zh-CN" sz="2400" smtClean="0">
+                <a:solidFill>
+                  <a:schemeClr val="bg1"/>
+                </a:solidFill>
+                <a:latin typeface="Times New Roman" charset="0"/>
+                <a:ea typeface="黑体" charset="-122"/>
+              </a:rPr>
+              <a:t>75</a:t>
+            </a:r>
+            <a:r>
+              <a:rPr kumimoji="1" lang="zh-CN" altLang="en-US" sz="2400" smtClean="0">
+                <a:solidFill>
+                  <a:schemeClr val="bg1"/>
+                </a:solidFill>
+                <a:latin typeface="Times New Roman" charset="0"/>
+                <a:ea typeface="黑体" charset="-122"/>
+              </a:rPr>
+              <a:t>题</a:t>
+            </a:r>
+            <a:r>
+              <a:rPr kumimoji="1" lang="zh-CN" altLang="en-US" sz="2400" smtClean="0">
+                <a:solidFill>
+                  <a:schemeClr val="bg1"/>
+                </a:solidFill>
+                <a:latin typeface="KaiTi" panose="02010609060101010101" pitchFamily="49" charset="-122"/>
+                <a:ea typeface="KaiTi" panose="02010609060101010101" pitchFamily="49" charset="-122"/>
+              </a:rPr>
+              <a:t>：“</a:t>
+            </a:r>
+            <a:r>
+              <a:rPr kumimoji="1" lang="zh-CN" altLang="en-US" sz="2400">
+                <a:solidFill>
+                  <a:schemeClr val="bg1"/>
+                </a:solidFill>
+                <a:latin typeface="KaiTi" panose="02010609060101010101" pitchFamily="49" charset="-122"/>
+                <a:ea typeface="KaiTi" panose="02010609060101010101" pitchFamily="49" charset="-122"/>
+              </a:rPr>
+              <a:t>颜</a:t>
+            </a:r>
+            <a:r>
+              <a:rPr kumimoji="1" lang="zh-CN" altLang="en-US" sz="2400" smtClean="0">
+                <a:solidFill>
+                  <a:schemeClr val="bg1"/>
+                </a:solidFill>
+                <a:latin typeface="KaiTi" panose="02010609060101010101" pitchFamily="49" charset="-122"/>
+                <a:ea typeface="KaiTi" panose="02010609060101010101" pitchFamily="49" charset="-122"/>
+              </a:rPr>
+              <a:t>色分类”</a:t>
+            </a:r>
+            <a:r>
+              <a:rPr kumimoji="1" lang="zh-CN" altLang="en-US" sz="2400" dirty="0">
+                <a:solidFill>
+                  <a:schemeClr val="bg1"/>
+                </a:solidFill>
+                <a:latin typeface="KaiTi" panose="02010609060101010101" pitchFamily="49" charset="-122"/>
+                <a:ea typeface="KaiTi" panose="02010609060101010101" pitchFamily="49" charset="-122"/>
+              </a:rPr>
+              <a:t>题解配图（</a:t>
+            </a:r>
+            <a:r>
+              <a:rPr kumimoji="1" lang="en-US" altLang="zh-CN" sz="2400" dirty="0">
+                <a:solidFill>
+                  <a:schemeClr val="bg1"/>
+                </a:solidFill>
+                <a:latin typeface="Times New Roman" panose="02020603050405020304" pitchFamily="18" charset="0"/>
+                <a:ea typeface="KaiTi" panose="02010609060101010101" pitchFamily="49" charset="-122"/>
+                <a:cs typeface="Times New Roman" panose="02020603050405020304" pitchFamily="18" charset="0"/>
+              </a:rPr>
+              <a:t>1</a:t>
+            </a:r>
+            <a:r>
+              <a:rPr kumimoji="1" lang="zh-CN" altLang="en-US" sz="2400" dirty="0">
+                <a:solidFill>
+                  <a:schemeClr val="bg1"/>
+                </a:solidFill>
+                <a:latin typeface="KaiTi" panose="02010609060101010101" pitchFamily="49" charset="-122"/>
+                <a:ea typeface="KaiTi" panose="02010609060101010101" pitchFamily="49" charset="-122"/>
+              </a:rPr>
+              <a:t>）</a:t>
+            </a:r>
+            <a:endParaRPr lang="zh-CN" altLang="en-US" dirty="0">
+              <a:solidFill>
+                <a:schemeClr val="bg1"/>
+              </a:solidFill>
+            </a:endParaRPr>
+          </a:p>
+        </p:txBody>
+      </p:sp>
+      <p:sp>
+        <p:nvSpPr>
+          <p:cNvPr id="29" name="文本框 28">
+            <a:extLst>
+              <a:ext uri="{FF2B5EF4-FFF2-40B4-BE49-F238E27FC236}">
+                <a16:creationId xmlns:a16="http://schemas.microsoft.com/office/drawing/2014/main" xmlns="" id="{BFD41FFF-6E2A-B240-965E-C4B5BC26BD49}"/>
+              </a:ext>
+            </a:extLst>
+          </p:cNvPr>
+          <p:cNvSpPr txBox="1"/>
+          <p:nvPr/>
+        </p:nvSpPr>
+        <p:spPr>
+          <a:xfrm flipH="1">
+            <a:off x="85896" y="713798"/>
+            <a:ext cx="2859009" cy="461665"/>
+          </a:xfrm>
+          <a:prstGeom prst="rect">
+            <a:avLst/>
+          </a:prstGeom>
+          <a:solidFill>
+            <a:srgbClr val="FF0000"/>
+          </a:solidFill>
+          <a:ln>
+            <a:noFill/>
+          </a:ln>
+          <a:effectLst>
+            <a:outerShdw blurRad="50800" dist="38100" dir="2700000" algn="tl" rotWithShape="0">
+              <a:prstClr val="black">
+                <a:alpha val="40000"/>
+              </a:prstClr>
+            </a:outerShdw>
+          </a:effectLst>
+        </p:spPr>
+        <p:txBody>
+          <a:bodyPr wrap="square" rtlCol="0">
+            <a:spAutoFit/>
+          </a:bodyPr>
+          <a:lstStyle/>
+          <a:p>
+            <a:pPr marL="342900" indent="-342900">
+              <a:buFont typeface="Wingdings" pitchFamily="2" charset="2"/>
+              <a:buChar char="Ø"/>
+            </a:pPr>
+            <a:r>
+              <a:rPr kumimoji="1" lang="zh-CN" altLang="en-US" sz="2400" b="1" dirty="0">
+                <a:solidFill>
+                  <a:schemeClr val="bg1"/>
+                </a:solidFill>
+                <a:latin typeface="Times New Roman" panose="02020603050405020304" pitchFamily="18" charset="0"/>
+                <a:ea typeface="KaiTi_GB2312" panose="02010609030101010101" pitchFamily="49" charset="-122"/>
+                <a:cs typeface="Times New Roman" panose="02020603050405020304" pitchFamily="18" charset="0"/>
+              </a:rPr>
+              <a:t>思</a:t>
+            </a:r>
+            <a:r>
+              <a:rPr kumimoji="1" lang="zh-CN" altLang="en-US" sz="2400" b="1">
+                <a:solidFill>
+                  <a:schemeClr val="bg1"/>
+                </a:solidFill>
+                <a:latin typeface="Times New Roman" panose="02020603050405020304" pitchFamily="18" charset="0"/>
+                <a:ea typeface="KaiTi_GB2312" panose="02010609030101010101" pitchFamily="49" charset="-122"/>
+                <a:cs typeface="Times New Roman" panose="02020603050405020304" pitchFamily="18" charset="0"/>
+              </a:rPr>
+              <a:t>想</a:t>
+            </a:r>
+            <a:r>
+              <a:rPr kumimoji="1" lang="zh-CN" altLang="en-US" sz="2400" b="1" smtClean="0">
+                <a:solidFill>
+                  <a:schemeClr val="bg1"/>
+                </a:solidFill>
+                <a:latin typeface="Times New Roman" panose="02020603050405020304" pitchFamily="18" charset="0"/>
+                <a:ea typeface="KaiTi_GB2312" panose="02010609030101010101" pitchFamily="49" charset="-122"/>
+                <a:cs typeface="Times New Roman" panose="02020603050405020304" pitchFamily="18" charset="0"/>
+              </a:rPr>
+              <a:t>：一次快排</a:t>
+            </a:r>
+            <a:endParaRPr kumimoji="1" lang="zh-CN" altLang="en-US" sz="2400" b="1" dirty="0">
+              <a:solidFill>
+                <a:schemeClr val="bg1"/>
+              </a:solidFill>
+              <a:latin typeface="Times New Roman" panose="02020603050405020304" pitchFamily="18" charset="0"/>
+              <a:ea typeface="KaiTi_GB2312" panose="02010609030101010101" pitchFamily="49" charset="-122"/>
+              <a:cs typeface="Times New Roman" panose="02020603050405020304" pitchFamily="18" charset="0"/>
+            </a:endParaRPr>
+          </a:p>
+        </p:txBody>
+      </p:sp>
+      <p:pic>
+        <p:nvPicPr>
+          <p:cNvPr id="1027" name="Picture 3"/>
+          <p:cNvPicPr>
+            <a:picLocks noChangeAspect="1" noChangeArrowheads="1"/>
+          </p:cNvPicPr>
+          <p:nvPr/>
+        </p:nvPicPr>
+        <p:blipFill>
+          <a:blip r:embed="rId2">
+            <a:extLst>
+              <a:ext uri="{28A0092B-C50C-407E-A947-70E740481C1C}">
+                <a14:useLocalDpi xmlns:a14="http://schemas.microsoft.com/office/drawing/2010/main" val="0"/>
+              </a:ext>
+            </a:extLst>
+          </a:blip>
+          <a:srcRect/>
+          <a:stretch>
+            <a:fillRect/>
+          </a:stretch>
+        </p:blipFill>
+        <p:spPr bwMode="auto">
+          <a:xfrm>
+            <a:off x="248491" y="1316131"/>
+            <a:ext cx="6791325" cy="1857375"/>
+          </a:xfrm>
+          <a:prstGeom prst="rect">
+            <a:avLst/>
+          </a:prstGeom>
+          <a:noFill/>
+          <a:ln>
+            <a:noFill/>
+          </a:ln>
+          <a:extLst>
+            <a:ext uri="{909E8E84-426E-40DD-AFC4-6F175D3DCCD1}">
+              <a14:hiddenFill xmlns:a14="http://schemas.microsoft.com/office/drawing/2010/main">
+                <a:solidFill>
+                  <a:schemeClr val="accent1"/>
+                </a:solidFill>
+              </a14:hiddenFill>
+            </a:ext>
+            <a:ext uri="{91240B29-F687-4F45-9708-019B960494DF}">
+              <a14:hiddenLine xmlns:a14="http://schemas.microsoft.com/office/drawing/2010/main" w="9525">
+                <a:solidFill>
+                  <a:schemeClr val="tx1"/>
+                </a:solidFill>
+                <a:miter lim="800000"/>
+                <a:headEnd/>
+                <a:tailEnd/>
+              </a14:hiddenLine>
+            </a:ext>
+          </a:extLst>
+        </p:spPr>
+      </p:pic>
+      <p:pic>
+        <p:nvPicPr>
+          <p:cNvPr id="1028" name="Picture 4"/>
+          <p:cNvPicPr>
+            <a:picLocks noChangeAspect="1" noChangeArrowheads="1"/>
+          </p:cNvPicPr>
+          <p:nvPr/>
+        </p:nvPicPr>
+        <p:blipFill>
+          <a:blip r:embed="rId3">
+            <a:extLst>
+              <a:ext uri="{28A0092B-C50C-407E-A947-70E740481C1C}">
+                <a14:useLocalDpi xmlns:a14="http://schemas.microsoft.com/office/drawing/2010/main" val="0"/>
+              </a:ext>
+            </a:extLst>
+          </a:blip>
+          <a:srcRect/>
+          <a:stretch>
+            <a:fillRect/>
+          </a:stretch>
+        </p:blipFill>
+        <p:spPr bwMode="auto">
+          <a:xfrm>
+            <a:off x="248491" y="3402105"/>
+            <a:ext cx="6638925" cy="3114675"/>
+          </a:xfrm>
+          <a:prstGeom prst="rect">
+            <a:avLst/>
+          </a:prstGeom>
+          <a:noFill/>
+          <a:ln>
+            <a:noFill/>
+          </a:ln>
+          <a:extLst>
+            <a:ext uri="{909E8E84-426E-40DD-AFC4-6F175D3DCCD1}">
+              <a14:hiddenFill xmlns:a14="http://schemas.microsoft.com/office/drawing/2010/main">
+                <a:solidFill>
+                  <a:schemeClr val="accent1"/>
+                </a:solidFill>
+              </a14:hiddenFill>
+            </a:ext>
+            <a:ext uri="{91240B29-F687-4F45-9708-019B960494DF}">
+              <a14:hiddenLine xmlns:a14="http://schemas.microsoft.com/office/drawing/2010/main" w="9525">
+                <a:solidFill>
+                  <a:schemeClr val="tx1"/>
+                </a:solidFill>
+                <a:miter lim="800000"/>
+                <a:headEnd/>
+                <a:tailEnd/>
+              </a14:hiddenLine>
+            </a:ext>
+          </a:extLst>
+        </p:spPr>
+      </p:pic>
+    </p:spTree>
+    <p:extLst>
+      <p:ext uri="{BB962C8B-B14F-4D97-AF65-F5344CB8AC3E}">
+        <p14:creationId xmlns:p14="http://schemas.microsoft.com/office/powerpoint/2010/main" val="2728124400"/>
+      </p:ext>
+    </p:extLst>
+  </p:cSld>
+  <p:clrMapOvr>
+    <a:masterClrMapping/>
+  </p:clrMapOvr>
+</p:sld>
+</file>
+
+<file path=ppt/slides/slide5.xml><?xml version="1.0" encoding="utf-8"?>
+<p:sld xmlns:a="http://schemas.openxmlformats.org/drawingml/2006/main" xmlns:r="http://schemas.openxmlformats.org/officeDocument/2006/relationships" xmlns:p="http://schemas.openxmlformats.org/presentationml/2006/main">
+  <p:cSld>
+    <p:spTree>
+      <p:nvGrpSpPr>
+        <p:cNvPr id="1" name=""/>
+        <p:cNvGrpSpPr/>
+        <p:nvPr/>
+      </p:nvGrpSpPr>
+      <p:grpSpPr>
+        <a:xfrm>
+          <a:off x="0" y="0"/>
+          <a:ext cx="0" cy="0"/>
+          <a:chOff x="0" y="0"/>
+          <a:chExt cx="0" cy="0"/>
+        </a:xfrm>
+      </p:grpSpPr>
+      <p:pic>
+        <p:nvPicPr>
+          <p:cNvPr id="1026" name="Picture 2"/>
+          <p:cNvPicPr>
+            <a:picLocks noChangeAspect="1" noChangeArrowheads="1"/>
+          </p:cNvPicPr>
+          <p:nvPr/>
+        </p:nvPicPr>
+        <p:blipFill>
+          <a:blip r:embed="rId2">
+            <a:extLst>
+              <a:ext uri="{28A0092B-C50C-407E-A947-70E740481C1C}">
+                <a14:useLocalDpi xmlns:a14="http://schemas.microsoft.com/office/drawing/2010/main" val="0"/>
+              </a:ext>
+            </a:extLst>
+          </a:blip>
+          <a:srcRect/>
+          <a:stretch>
+            <a:fillRect/>
+          </a:stretch>
+        </p:blipFill>
+        <p:spPr bwMode="auto">
+          <a:xfrm>
+            <a:off x="1209675" y="1390650"/>
+            <a:ext cx="2838450" cy="2781300"/>
+          </a:xfrm>
+          <a:prstGeom prst="rect">
+            <a:avLst/>
+          </a:prstGeom>
+          <a:noFill/>
+          <a:ln>
+            <a:noFill/>
+          </a:ln>
+          <a:extLst>
+            <a:ext uri="{909E8E84-426E-40DD-AFC4-6F175D3DCCD1}">
+              <a14:hiddenFill xmlns:a14="http://schemas.microsoft.com/office/drawing/2010/main">
+                <a:solidFill>
+                  <a:schemeClr val="accent1"/>
+                </a:solidFill>
+              </a14:hiddenFill>
+            </a:ext>
+            <a:ext uri="{91240B29-F687-4F45-9708-019B960494DF}">
+              <a14:hiddenLine xmlns:a14="http://schemas.microsoft.com/office/drawing/2010/main" w="9525">
+                <a:solidFill>
+                  <a:schemeClr val="tx1"/>
+                </a:solidFill>
+                <a:miter lim="800000"/>
+                <a:headEnd/>
+                <a:tailEnd/>
+              </a14:hiddenLine>
+            </a:ext>
+          </a:extLst>
+        </p:spPr>
+      </p:pic>
+      <p:sp>
+        <p:nvSpPr>
+          <p:cNvPr id="2" name="圆角矩形 1"/>
+          <p:cNvSpPr/>
+          <p:nvPr/>
+        </p:nvSpPr>
+        <p:spPr>
+          <a:xfrm>
+            <a:off x="952500" y="4711700"/>
+            <a:ext cx="1435100" cy="685800"/>
+          </a:xfrm>
+          <a:prstGeom prst="roundRect">
+            <a:avLst/>
+          </a:prstGeom>
+        </p:spPr>
+        <p:style>
+          <a:lnRef idx="2">
+            <a:schemeClr val="accent6">
+              <a:shade val="50000"/>
+            </a:schemeClr>
+          </a:lnRef>
+          <a:fillRef idx="1">
+            <a:schemeClr val="accent6"/>
+          </a:fillRef>
+          <a:effectRef idx="0">
+            <a:schemeClr val="accent6"/>
+          </a:effectRef>
+          <a:fontRef idx="minor">
+            <a:schemeClr val="lt1"/>
+          </a:fontRef>
+        </p:style>
+        <p:txBody>
+          <a:bodyPr rtlCol="0" anchor="ctr"/>
+          <a:lstStyle/>
+          <a:p>
+            <a:r>
+              <a:rPr lang="en-US" altLang="zh-CN" smtClean="0"/>
+              <a:t>  </a:t>
+            </a:r>
+            <a:r>
+              <a:rPr lang="en-US" altLang="zh-CN" smtClean="0">
+                <a:solidFill>
+                  <a:srgbClr val="FF0000"/>
+                </a:solidFill>
+              </a:rPr>
+              <a:t>Medium</a:t>
+            </a:r>
+            <a:endParaRPr lang="en-US" altLang="zh-CN">
+              <a:solidFill>
+                <a:srgbClr val="FF0000"/>
+              </a:solidFill>
+            </a:endParaRPr>
+          </a:p>
+        </p:txBody>
+      </p:sp>
+      <p:sp>
+        <p:nvSpPr>
+          <p:cNvPr id="4" name="圆角矩形 3"/>
+          <p:cNvSpPr/>
+          <p:nvPr/>
+        </p:nvSpPr>
+        <p:spPr>
+          <a:xfrm>
+            <a:off x="3111500" y="4711700"/>
+            <a:ext cx="1676400" cy="685800"/>
+          </a:xfrm>
+          <a:prstGeom prst="roundRect">
+            <a:avLst/>
+          </a:prstGeom>
+        </p:spPr>
+        <p:style>
+          <a:lnRef idx="2">
+            <a:schemeClr val="dk1">
+              <a:shade val="50000"/>
+            </a:schemeClr>
+          </a:lnRef>
+          <a:fillRef idx="1">
+            <a:schemeClr val="dk1"/>
+          </a:fillRef>
+          <a:effectRef idx="0">
+            <a:schemeClr val="dk1"/>
+          </a:effectRef>
+          <a:fontRef idx="minor">
+            <a:schemeClr val="lt1"/>
+          </a:fontRef>
+        </p:style>
+        <p:txBody>
+          <a:bodyPr rtlCol="0" anchor="ctr"/>
+          <a:lstStyle/>
+          <a:p>
+            <a:pPr algn="ctr"/>
+            <a:r>
+              <a:rPr lang="zh-CN" altLang="en-US"/>
+              <a:t>数组</a:t>
+            </a:r>
+          </a:p>
+        </p:txBody>
+      </p:sp>
+      <p:sp>
+        <p:nvSpPr>
+          <p:cNvPr id="6" name="圆角矩形 5"/>
+          <p:cNvSpPr/>
+          <p:nvPr/>
+        </p:nvSpPr>
+        <p:spPr>
+          <a:xfrm>
+            <a:off x="5486400" y="4711700"/>
+            <a:ext cx="2476500" cy="685800"/>
+          </a:xfrm>
+          <a:prstGeom prst="roundRect">
+            <a:avLst/>
+          </a:prstGeom>
+        </p:spPr>
+        <p:style>
+          <a:lnRef idx="2">
+            <a:schemeClr val="dk1">
+              <a:shade val="50000"/>
+            </a:schemeClr>
+          </a:lnRef>
+          <a:fillRef idx="1">
+            <a:schemeClr val="dk1"/>
+          </a:fillRef>
+          <a:effectRef idx="0">
+            <a:schemeClr val="dk1"/>
+          </a:effectRef>
+          <a:fontRef idx="minor">
+            <a:schemeClr val="lt1"/>
+          </a:fontRef>
+        </p:style>
+        <p:txBody>
+          <a:bodyPr rtlCol="0" anchor="ctr"/>
+          <a:lstStyle/>
+          <a:p>
+            <a:pPr algn="ctr"/>
+            <a:r>
+              <a:rPr lang="zh-CN" altLang="en-US" smtClean="0"/>
+              <a:t>重复元素快速排序</a:t>
+            </a:r>
+            <a:endParaRPr lang="zh-CN" altLang="en-US"/>
+          </a:p>
+        </p:txBody>
+      </p:sp>
+      <p:sp>
+        <p:nvSpPr>
+          <p:cNvPr id="3" name="矩形 2"/>
+          <p:cNvSpPr/>
+          <p:nvPr/>
+        </p:nvSpPr>
+        <p:spPr>
+          <a:xfrm>
+            <a:off x="4254500" y="1968500"/>
+            <a:ext cx="3797300" cy="2800767"/>
+          </a:xfrm>
+          <a:prstGeom prst="rect">
+            <a:avLst/>
+          </a:prstGeom>
+        </p:spPr>
+        <p:txBody>
+          <a:bodyPr wrap="square">
+            <a:spAutoFit/>
+          </a:bodyPr>
+          <a:lstStyle/>
+          <a:p>
+            <a:endParaRPr lang="en-US" altLang="zh-CN" sz="3200" smtClean="0"/>
+          </a:p>
+          <a:p>
+            <a:r>
+              <a:rPr lang="en-US" altLang="zh-CN" sz="4000" b="1" smtClean="0"/>
+              <a:t>  </a:t>
+            </a:r>
+            <a:r>
+              <a:rPr lang="en-US" altLang="zh-CN" sz="4000" b="1" smtClean="0"/>
+              <a:t>     </a:t>
+            </a:r>
+            <a:r>
+              <a:rPr lang="en-US" altLang="zh-CN" sz="4000" b="1" smtClean="0"/>
+              <a:t>[</a:t>
+            </a:r>
+            <a:r>
+              <a:rPr lang="en-US" altLang="zh-CN" sz="4000" b="1"/>
+              <a:t>78] </a:t>
+            </a:r>
+            <a:r>
+              <a:rPr lang="zh-CN" altLang="en-US" sz="4000" b="1"/>
+              <a:t>子集</a:t>
+            </a:r>
+          </a:p>
+          <a:p>
+            <a:endParaRPr lang="en-US" altLang="zh-CN" sz="4000" smtClean="0"/>
+          </a:p>
+          <a:p>
+            <a:endParaRPr lang="en-US" altLang="zh-CN" sz="3200"/>
+          </a:p>
+          <a:p>
+            <a:endParaRPr lang="zh-CN" altLang="en-US" sz="3200"/>
+          </a:p>
+        </p:txBody>
+      </p:sp>
+      <p:sp>
+        <p:nvSpPr>
+          <p:cNvPr id="7" name="圆角矩形 6"/>
+          <p:cNvSpPr/>
+          <p:nvPr/>
+        </p:nvSpPr>
+        <p:spPr>
+          <a:xfrm>
+            <a:off x="8306525" y="4756524"/>
+            <a:ext cx="1676400" cy="685800"/>
+          </a:xfrm>
+          <a:prstGeom prst="roundRect">
+            <a:avLst/>
+          </a:prstGeom>
+        </p:spPr>
+        <p:style>
+          <a:lnRef idx="2">
+            <a:schemeClr val="dk1">
+              <a:shade val="50000"/>
+            </a:schemeClr>
+          </a:lnRef>
+          <a:fillRef idx="1">
+            <a:schemeClr val="dk1"/>
+          </a:fillRef>
+          <a:effectRef idx="0">
+            <a:schemeClr val="dk1"/>
+          </a:effectRef>
+          <a:fontRef idx="minor">
+            <a:schemeClr val="lt1"/>
+          </a:fontRef>
+        </p:style>
+        <p:txBody>
+          <a:bodyPr rtlCol="0" anchor="ctr"/>
+          <a:lstStyle/>
+          <a:p>
+            <a:pPr algn="ctr"/>
+            <a:r>
+              <a:rPr lang="zh-CN" altLang="en-US"/>
+              <a:t>数</a:t>
+            </a:r>
+            <a:r>
+              <a:rPr lang="zh-CN" altLang="en-US" smtClean="0"/>
+              <a:t>学归纳</a:t>
+            </a:r>
+            <a:endParaRPr lang="zh-CN" altLang="en-US"/>
+          </a:p>
+        </p:txBody>
+      </p:sp>
+    </p:spTree>
+    <p:extLst>
+      <p:ext uri="{BB962C8B-B14F-4D97-AF65-F5344CB8AC3E}">
+        <p14:creationId xmlns:p14="http://schemas.microsoft.com/office/powerpoint/2010/main" val="3445009766"/>
+      </p:ext>
+    </p:extLst>
+  </p:cSld>
+  <p:clrMapOvr>
+    <a:masterClrMapping/>
+  </p:clrMapOvr>
+</p:sld>
+</file>
+
 <file path=ppt/theme/theme1.xml><?xml version="1.0" encoding="utf-8"?>
 <a:theme xmlns:a="http://schemas.openxmlformats.org/drawingml/2006/main" name="Office 主题​​">
   <a:themeElements>
@@ -1709,7 +2673,7 @@
         <a:sysClr val="windowText" lastClr="000000"/>
       </a:dk1>
       <a:lt1>
-        <a:sysClr val="window" lastClr="FFFFFF"/>
+        <a:sysClr val="window" lastClr="CCE8CF"/>
       </a:lt1>
       <a:dk2>
         <a:srgbClr val="44546A"/>
@@ -1956,7 +2920,7 @@
   <a:extraClrSchemeLst/>
   <a:extLst>
     <a:ext uri="{05A4C25C-085E-4340-85A3-A5531E510DB2}">
-      <thm15:themeFamily xmlns="" xmlns:thm15="http://schemas.microsoft.com/office/thememl/2012/main" name="Office Theme" id="{62F939B6-93AF-4DB8-9C6B-D6C7DFDC589F}" vid="{AE6F2518-B084-4896-AF52-66CC2144AA26}"/>
+      <thm15:themeFamily xmlns:thm15="http://schemas.microsoft.com/office/thememl/2012/main" xmlns="" name="Office Theme" id="{62F939B6-93AF-4DB8-9C6B-D6C7DFDC589F}" vid="{AE6F2518-B084-4896-AF52-66CC2144AA26}"/>
     </a:ext>
   </a:extLst>
 </a:theme>
@@ -1970,7 +2934,7 @@
         <a:sysClr val="windowText" lastClr="000000"/>
       </a:dk1>
       <a:lt1>
-        <a:sysClr val="window" lastClr="FFFFFF"/>
+        <a:sysClr val="window" lastClr="CCE8CF"/>
       </a:lt1>
       <a:dk2>
         <a:srgbClr val="1F497D"/>
